--- a/w11/데이터시각화(2024)_11w.pptx
+++ b/w11/데이터시각화(2024)_11w.pptx
@@ -37,7 +37,7 @@
     <p:sldId id="851" r:id="rId28"/>
     <p:sldId id="857" r:id="rId29"/>
     <p:sldId id="852" r:id="rId30"/>
-    <p:sldId id="853" r:id="rId31"/>
+    <p:sldId id="859" r:id="rId31"/>
     <p:sldId id="854" r:id="rId32"/>
     <p:sldId id="855" r:id="rId33"/>
     <p:sldId id="696" r:id="rId34"/>
@@ -152,7 +152,7 @@
             <a:srgbClr val="A4A3A4"/>
           </p15:clr>
         </p15:guide>
-        <p15:guide id="3" orient="horz" pos="436" userDrawn="1">
+        <p15:guide id="3" orient="horz" pos="346" userDrawn="1">
           <p15:clr>
             <a:srgbClr val="A4A3A4"/>
           </p15:clr>
@@ -259,7 +259,7 @@
           <a:p>
             <a:fld id="{886DFE7F-DF1F-4B42-8992-7FD8490D2955}" type="datetimeFigureOut">
               <a:rPr lang="ko-KR" altLang="en-US" smtClean="0"/>
-              <a:t>2024-11-08</a:t>
+              <a:t>2024-11-15</a:t>
             </a:fld>
             <a:endParaRPr lang="ko-KR" altLang="en-US"/>
           </a:p>
@@ -655,7 +655,7 @@
           <a:p>
             <a:fld id="{77837A77-9659-4ECF-93B7-3A9C9A35AD29}" type="datetimeFigureOut">
               <a:rPr lang="ko-KR" altLang="en-US" smtClean="0"/>
-              <a:t>2024-11-08</a:t>
+              <a:t>2024-11-15</a:t>
             </a:fld>
             <a:endParaRPr lang="ko-KR" altLang="en-US"/>
           </a:p>
@@ -823,7 +823,7 @@
           <a:p>
             <a:fld id="{77837A77-9659-4ECF-93B7-3A9C9A35AD29}" type="datetimeFigureOut">
               <a:rPr lang="ko-KR" altLang="en-US" smtClean="0"/>
-              <a:t>2024-11-08</a:t>
+              <a:t>2024-11-15</a:t>
             </a:fld>
             <a:endParaRPr lang="ko-KR" altLang="en-US"/>
           </a:p>
@@ -1001,7 +1001,7 @@
           <a:p>
             <a:fld id="{77837A77-9659-4ECF-93B7-3A9C9A35AD29}" type="datetimeFigureOut">
               <a:rPr lang="ko-KR" altLang="en-US" smtClean="0"/>
-              <a:t>2024-11-08</a:t>
+              <a:t>2024-11-15</a:t>
             </a:fld>
             <a:endParaRPr lang="ko-KR" altLang="en-US"/>
           </a:p>
@@ -1169,7 +1169,7 @@
           <a:p>
             <a:fld id="{77837A77-9659-4ECF-93B7-3A9C9A35AD29}" type="datetimeFigureOut">
               <a:rPr lang="ko-KR" altLang="en-US" smtClean="0"/>
-              <a:t>2024-11-08</a:t>
+              <a:t>2024-11-15</a:t>
             </a:fld>
             <a:endParaRPr lang="ko-KR" altLang="en-US"/>
           </a:p>
@@ -1414,7 +1414,7 @@
           <a:p>
             <a:fld id="{77837A77-9659-4ECF-93B7-3A9C9A35AD29}" type="datetimeFigureOut">
               <a:rPr lang="ko-KR" altLang="en-US" smtClean="0"/>
-              <a:t>2024-11-08</a:t>
+              <a:t>2024-11-15</a:t>
             </a:fld>
             <a:endParaRPr lang="ko-KR" altLang="en-US"/>
           </a:p>
@@ -1643,7 +1643,7 @@
           <a:p>
             <a:fld id="{77837A77-9659-4ECF-93B7-3A9C9A35AD29}" type="datetimeFigureOut">
               <a:rPr lang="ko-KR" altLang="en-US" smtClean="0"/>
-              <a:t>2024-11-08</a:t>
+              <a:t>2024-11-15</a:t>
             </a:fld>
             <a:endParaRPr lang="ko-KR" altLang="en-US"/>
           </a:p>
@@ -2007,7 +2007,7 @@
           <a:p>
             <a:fld id="{77837A77-9659-4ECF-93B7-3A9C9A35AD29}" type="datetimeFigureOut">
               <a:rPr lang="ko-KR" altLang="en-US" smtClean="0"/>
-              <a:t>2024-11-08</a:t>
+              <a:t>2024-11-15</a:t>
             </a:fld>
             <a:endParaRPr lang="ko-KR" altLang="en-US"/>
           </a:p>
@@ -2124,7 +2124,7 @@
           <a:p>
             <a:fld id="{77837A77-9659-4ECF-93B7-3A9C9A35AD29}" type="datetimeFigureOut">
               <a:rPr lang="ko-KR" altLang="en-US" smtClean="0"/>
-              <a:t>2024-11-08</a:t>
+              <a:t>2024-11-15</a:t>
             </a:fld>
             <a:endParaRPr lang="ko-KR" altLang="en-US"/>
           </a:p>
@@ -2219,7 +2219,7 @@
           <a:p>
             <a:fld id="{77837A77-9659-4ECF-93B7-3A9C9A35AD29}" type="datetimeFigureOut">
               <a:rPr lang="ko-KR" altLang="en-US" smtClean="0"/>
-              <a:t>2024-11-08</a:t>
+              <a:t>2024-11-15</a:t>
             </a:fld>
             <a:endParaRPr lang="ko-KR" altLang="en-US"/>
           </a:p>
@@ -2494,7 +2494,7 @@
           <a:p>
             <a:fld id="{77837A77-9659-4ECF-93B7-3A9C9A35AD29}" type="datetimeFigureOut">
               <a:rPr lang="ko-KR" altLang="en-US" smtClean="0"/>
-              <a:t>2024-11-08</a:t>
+              <a:t>2024-11-15</a:t>
             </a:fld>
             <a:endParaRPr lang="ko-KR" altLang="en-US"/>
           </a:p>
@@ -2746,7 +2746,7 @@
           <a:p>
             <a:fld id="{77837A77-9659-4ECF-93B7-3A9C9A35AD29}" type="datetimeFigureOut">
               <a:rPr lang="ko-KR" altLang="en-US" smtClean="0"/>
-              <a:t>2024-11-08</a:t>
+              <a:t>2024-11-15</a:t>
             </a:fld>
             <a:endParaRPr lang="ko-KR" altLang="en-US"/>
           </a:p>
@@ -2957,7 +2957,7 @@
           <a:p>
             <a:fld id="{77837A77-9659-4ECF-93B7-3A9C9A35AD29}" type="datetimeFigureOut">
               <a:rPr lang="ko-KR" altLang="en-US" smtClean="0"/>
-              <a:t>2024-11-08</a:t>
+              <a:t>2024-11-15</a:t>
             </a:fld>
             <a:endParaRPr lang="ko-KR" altLang="en-US"/>
           </a:p>
@@ -9299,7 +9299,7 @@
       </p:grpSpPr>
       <p:pic>
         <p:nvPicPr>
-          <p:cNvPr id="3" name="그림 2"/>
+          <p:cNvPr id="4" name="그림 3"/>
           <p:cNvPicPr>
             <a:picLocks noChangeAspect="1"/>
           </p:cNvPicPr>
@@ -9313,8 +9313,32 @@
         </p:blipFill>
         <p:spPr>
           <a:xfrm>
-            <a:off x="47625" y="647558"/>
-            <a:ext cx="9368839" cy="2915692"/>
+            <a:off x="2106940" y="767251"/>
+            <a:ext cx="6840439" cy="3525707"/>
+          </a:xfrm>
+          <a:prstGeom prst="rect">
+            <a:avLst/>
+          </a:prstGeom>
+        </p:spPr>
+      </p:pic>
+      <p:pic>
+        <p:nvPicPr>
+          <p:cNvPr id="6" name="그림 5"/>
+          <p:cNvPicPr>
+            <a:picLocks noChangeAspect="1"/>
+          </p:cNvPicPr>
+          <p:nvPr/>
+        </p:nvPicPr>
+        <p:blipFill>
+          <a:blip r:embed="rId3"/>
+          <a:stretch>
+            <a:fillRect/>
+          </a:stretch>
+        </p:blipFill>
+        <p:spPr>
+          <a:xfrm>
+            <a:off x="2835982" y="4391010"/>
+            <a:ext cx="5356598" cy="2466990"/>
           </a:xfrm>
           <a:prstGeom prst="rect">
             <a:avLst/>
@@ -9329,16 +9353,16 @@
         </p:nvSpPr>
         <p:spPr>
           <a:xfrm>
-            <a:off x="4684419" y="2205669"/>
-            <a:ext cx="2508409" cy="919284"/>
+            <a:off x="1972348" y="2225651"/>
+            <a:ext cx="3653307" cy="248955"/>
           </a:xfrm>
           <a:prstGeom prst="rect">
             <a:avLst/>
           </a:prstGeom>
           <a:noFill/>
-          <a:ln w="38100">
+          <a:ln w="19050">
             <a:solidFill>
-              <a:srgbClr val="FF0000"/>
+              <a:srgbClr val="3333FF"/>
             </a:solidFill>
           </a:ln>
         </p:spPr>
@@ -9369,106 +9393,22 @@
       </p:sp>
       <p:sp>
         <p:nvSpPr>
-          <p:cNvPr id="8" name="TextBox 7"/>
-          <p:cNvSpPr txBox="1"/>
-          <p:nvPr/>
-        </p:nvSpPr>
-        <p:spPr>
-          <a:xfrm>
-            <a:off x="4569498" y="1863020"/>
-            <a:ext cx="2738250" cy="369332"/>
+          <p:cNvPr id="8" name="직사각형 7"/>
+          <p:cNvSpPr/>
+          <p:nvPr/>
+        </p:nvSpPr>
+        <p:spPr>
+          <a:xfrm>
+            <a:off x="2835982" y="6574664"/>
+            <a:ext cx="2482993" cy="283336"/>
           </a:xfrm>
           <a:prstGeom prst="rect">
             <a:avLst/>
           </a:prstGeom>
           <a:noFill/>
-        </p:spPr>
-        <p:txBody>
-          <a:bodyPr wrap="none" rtlCol="0">
-            <a:spAutoFit/>
-          </a:bodyPr>
-          <a:lstStyle/>
-          <a:p>
-            <a:r>
-              <a:rPr lang="ko-KR" altLang="en-US" dirty="0">
-                <a:solidFill>
-                  <a:srgbClr val="FF0000"/>
-                </a:solidFill>
-              </a:rPr>
-              <a:t>박스 색깔만 다르게 설정</a:t>
-            </a:r>
-            <a:endParaRPr lang="en-US" dirty="0">
-              <a:solidFill>
-                <a:srgbClr val="FF0000"/>
-              </a:solidFill>
-            </a:endParaRPr>
-          </a:p>
-        </p:txBody>
-      </p:sp>
-      <p:sp>
-        <p:nvSpPr>
-          <p:cNvPr id="9" name="TextBox 8"/>
-          <p:cNvSpPr txBox="1"/>
-          <p:nvPr/>
-        </p:nvSpPr>
-        <p:spPr>
-          <a:xfrm>
-            <a:off x="3113911" y="3539729"/>
-            <a:ext cx="1882247" cy="369332"/>
-          </a:xfrm>
-          <a:prstGeom prst="rect">
-            <a:avLst/>
-          </a:prstGeom>
-          <a:noFill/>
-        </p:spPr>
-        <p:txBody>
-          <a:bodyPr wrap="none" rtlCol="0">
-            <a:spAutoFit/>
-          </a:bodyPr>
-          <a:lstStyle/>
-          <a:p>
-            <a:r>
-              <a:rPr lang="ko-KR" altLang="en-US" dirty="0">
-                <a:solidFill>
-                  <a:srgbClr val="FF0000"/>
-                </a:solidFill>
-              </a:rPr>
-              <a:t>박스의 </a:t>
-            </a:r>
-            <a:r>
-              <a:rPr lang="ko-KR" altLang="en-US" dirty="0" err="1">
-                <a:solidFill>
-                  <a:srgbClr val="FF0000"/>
-                </a:solidFill>
-              </a:rPr>
-              <a:t>색깔정보</a:t>
-            </a:r>
-            <a:endParaRPr lang="en-US" dirty="0">
-              <a:solidFill>
-                <a:srgbClr val="FF0000"/>
-              </a:solidFill>
-            </a:endParaRPr>
-          </a:p>
-        </p:txBody>
-      </p:sp>
-      <p:sp>
-        <p:nvSpPr>
-          <p:cNvPr id="10" name="직사각형 9"/>
-          <p:cNvSpPr/>
-          <p:nvPr/>
-        </p:nvSpPr>
-        <p:spPr>
-          <a:xfrm>
-            <a:off x="2017155" y="3221816"/>
-            <a:ext cx="5137699" cy="305650"/>
-          </a:xfrm>
-          <a:prstGeom prst="rect">
-            <a:avLst/>
-          </a:prstGeom>
-          <a:noFill/>
-          <a:ln w="38100">
+          <a:ln w="19050">
             <a:solidFill>
-              <a:srgbClr val="FF0000"/>
+              <a:srgbClr val="3333FF"/>
             </a:solidFill>
           </a:ln>
         </p:spPr>
@@ -9497,16 +9437,57 @@
           </a:p>
         </p:txBody>
       </p:sp>
-      <p:sp>
-        <p:nvSpPr>
-          <p:cNvPr id="11" name="직사각형 10"/>
+      <p:cxnSp>
+        <p:nvCxnSpPr>
+          <p:cNvPr id="10" name="꺾인 연결선 9"/>
+          <p:cNvCxnSpPr>
+            <a:stCxn id="7" idx="1"/>
+            <a:endCxn id="8" idx="1"/>
+          </p:cNvCxnSpPr>
+          <p:nvPr/>
+        </p:nvCxnSpPr>
+        <p:spPr>
+          <a:xfrm rot="10800000" flipH="1" flipV="1">
+            <a:off x="1972348" y="2350128"/>
+            <a:ext cx="863634" cy="4366203"/>
+          </a:xfrm>
+          <a:prstGeom prst="bentConnector3">
+            <a:avLst>
+              <a:gd name="adj1" fmla="val -26470"/>
+            </a:avLst>
+          </a:prstGeom>
+          <a:ln w="19050">
+            <a:solidFill>
+              <a:srgbClr val="3333FF"/>
+            </a:solidFill>
+            <a:tailEnd type="triangle"/>
+          </a:ln>
+        </p:spPr>
+        <p:style>
+          <a:lnRef idx="1">
+            <a:schemeClr val="accent1"/>
+          </a:lnRef>
+          <a:fillRef idx="0">
+            <a:schemeClr val="accent1"/>
+          </a:fillRef>
+          <a:effectRef idx="0">
+            <a:schemeClr val="accent1"/>
+          </a:effectRef>
+          <a:fontRef idx="minor">
+            <a:schemeClr val="tx1"/>
+          </a:fontRef>
+        </p:style>
+      </p:cxnSp>
+      <p:sp>
+        <p:nvSpPr>
+          <p:cNvPr id="13" name="직사각형 12"/>
           <p:cNvSpPr/>
           <p:nvPr/>
         </p:nvSpPr>
         <p:spPr>
           <a:xfrm>
-            <a:off x="1920013" y="2290070"/>
-            <a:ext cx="1395229" cy="734817"/>
+            <a:off x="4550536" y="2975617"/>
+            <a:ext cx="1828800" cy="613296"/>
           </a:xfrm>
           <a:prstGeom prst="rect">
             <a:avLst/>
@@ -9545,14 +9526,14 @@
       </p:sp>
       <p:sp>
         <p:nvSpPr>
-          <p:cNvPr id="12" name="TextBox 11"/>
+          <p:cNvPr id="14" name="TextBox 13"/>
           <p:cNvSpPr txBox="1"/>
           <p:nvPr/>
         </p:nvSpPr>
         <p:spPr>
           <a:xfrm>
-            <a:off x="1492413" y="2023262"/>
-            <a:ext cx="2247731" cy="338554"/>
+            <a:off x="4861902" y="2698618"/>
+            <a:ext cx="1887055" cy="276999"/>
           </a:xfrm>
           <a:prstGeom prst="rect">
             <a:avLst/>
@@ -9566,14 +9547,14 @@
           <a:lstStyle/>
           <a:p>
             <a:r>
-              <a:rPr lang="ko-KR" altLang="en-US" sz="1600" dirty="0">
+              <a:rPr lang="ko-KR" altLang="en-US" sz="1200" dirty="0">
                 <a:solidFill>
                   <a:srgbClr val="FF0000"/>
                 </a:solidFill>
               </a:rPr>
-              <a:t>박스 위치 다르게 설정</a:t>
-            </a:r>
-            <a:endParaRPr lang="en-US" sz="1600" dirty="0">
+              <a:t>박스 색깔만 다르게 설정</a:t>
+            </a:r>
+            <a:endParaRPr lang="en-US" sz="1200" dirty="0">
               <a:solidFill>
                 <a:srgbClr val="FF0000"/>
               </a:solidFill>
@@ -9581,49 +9562,72 @@
           </a:p>
         </p:txBody>
       </p:sp>
-      <p:pic>
-        <p:nvPicPr>
-          <p:cNvPr id="6" name="그림 5"/>
-          <p:cNvPicPr>
-            <a:picLocks noChangeAspect="1"/>
-          </p:cNvPicPr>
-          <p:nvPr/>
-        </p:nvPicPr>
-        <p:blipFill>
-          <a:blip r:embed="rId3"/>
-          <a:stretch>
-            <a:fillRect/>
-          </a:stretch>
-        </p:blipFill>
-        <p:spPr>
-          <a:xfrm>
-            <a:off x="1590296" y="3979433"/>
-            <a:ext cx="5646898" cy="2887110"/>
+      <p:sp>
+        <p:nvSpPr>
+          <p:cNvPr id="15" name="TextBox 14"/>
+          <p:cNvSpPr txBox="1"/>
+          <p:nvPr/>
+        </p:nvSpPr>
+        <p:spPr>
+          <a:xfrm>
+            <a:off x="4875398" y="3784009"/>
+            <a:ext cx="1503938" cy="307777"/>
           </a:xfrm>
           <a:prstGeom prst="rect">
             <a:avLst/>
           </a:prstGeom>
-        </p:spPr>
-      </p:pic>
-      <p:sp>
-        <p:nvSpPr>
-          <p:cNvPr id="14" name="모서리가 둥근 직사각형 13"/>
+          <a:noFill/>
+        </p:spPr>
+        <p:txBody>
+          <a:bodyPr wrap="none" rtlCol="0">
+            <a:spAutoFit/>
+          </a:bodyPr>
+          <a:lstStyle/>
+          <a:p>
+            <a:r>
+              <a:rPr lang="ko-KR" altLang="en-US" sz="1400" dirty="0">
+                <a:solidFill>
+                  <a:srgbClr val="FF0000"/>
+                </a:solidFill>
+              </a:rPr>
+              <a:t>박스의 </a:t>
+            </a:r>
+            <a:r>
+              <a:rPr lang="ko-KR" altLang="en-US" sz="1400" dirty="0" err="1">
+                <a:solidFill>
+                  <a:srgbClr val="FF0000"/>
+                </a:solidFill>
+              </a:rPr>
+              <a:t>색깔정보</a:t>
+            </a:r>
+            <a:endParaRPr lang="en-US" dirty="0">
+              <a:solidFill>
+                <a:srgbClr val="FF0000"/>
+              </a:solidFill>
+            </a:endParaRPr>
+          </a:p>
+        </p:txBody>
+      </p:sp>
+      <p:sp>
+        <p:nvSpPr>
+          <p:cNvPr id="16" name="직사각형 15"/>
           <p:cNvSpPr/>
           <p:nvPr/>
         </p:nvSpPr>
         <p:spPr>
           <a:xfrm>
-            <a:off x="56769" y="184863"/>
-            <a:ext cx="12078462" cy="498479"/>
-          </a:xfrm>
-          <a:prstGeom prst="roundRect">
-            <a:avLst/>
-          </a:prstGeom>
-          <a:solidFill>
-            <a:schemeClr val="accent1">
-              <a:lumMod val="50000"/>
-            </a:schemeClr>
-          </a:solidFill>
+            <a:off x="3678530" y="4036334"/>
+            <a:ext cx="3696771" cy="305650"/>
+          </a:xfrm>
+          <a:prstGeom prst="rect">
+            <a:avLst/>
+          </a:prstGeom>
+          <a:noFill/>
+          <a:ln w="38100">
+            <a:solidFill>
+              <a:srgbClr val="FF0000"/>
+            </a:solidFill>
+          </a:ln>
         </p:spPr>
         <p:style>
           <a:lnRef idx="2">
@@ -9646,6 +9650,230 @@
           <a:lstStyle/>
           <a:p>
             <a:pPr algn="ctr"/>
+            <a:endParaRPr lang="ko-KR" altLang="en-US"/>
+          </a:p>
+        </p:txBody>
+      </p:sp>
+      <p:sp>
+        <p:nvSpPr>
+          <p:cNvPr id="17" name="직사각형 16"/>
+          <p:cNvSpPr/>
+          <p:nvPr/>
+        </p:nvSpPr>
+        <p:spPr>
+          <a:xfrm>
+            <a:off x="3456892" y="2997846"/>
+            <a:ext cx="1037835" cy="591067"/>
+          </a:xfrm>
+          <a:prstGeom prst="rect">
+            <a:avLst/>
+          </a:prstGeom>
+          <a:noFill/>
+          <a:ln w="38100">
+            <a:solidFill>
+              <a:srgbClr val="FF0000"/>
+            </a:solidFill>
+          </a:ln>
+        </p:spPr>
+        <p:style>
+          <a:lnRef idx="2">
+            <a:schemeClr val="accent1">
+              <a:shade val="50000"/>
+            </a:schemeClr>
+          </a:lnRef>
+          <a:fillRef idx="1">
+            <a:schemeClr val="accent1"/>
+          </a:fillRef>
+          <a:effectRef idx="0">
+            <a:schemeClr val="accent1"/>
+          </a:effectRef>
+          <a:fontRef idx="minor">
+            <a:schemeClr val="lt1"/>
+          </a:fontRef>
+        </p:style>
+        <p:txBody>
+          <a:bodyPr rtlCol="0" anchor="ctr"/>
+          <a:lstStyle/>
+          <a:p>
+            <a:pPr algn="ctr"/>
+            <a:endParaRPr lang="ko-KR" altLang="en-US"/>
+          </a:p>
+        </p:txBody>
+      </p:sp>
+      <p:sp>
+        <p:nvSpPr>
+          <p:cNvPr id="18" name="TextBox 17"/>
+          <p:cNvSpPr txBox="1"/>
+          <p:nvPr/>
+        </p:nvSpPr>
+        <p:spPr>
+          <a:xfrm>
+            <a:off x="2894165" y="2725069"/>
+            <a:ext cx="1771567" cy="276999"/>
+          </a:xfrm>
+          <a:prstGeom prst="rect">
+            <a:avLst/>
+          </a:prstGeom>
+          <a:noFill/>
+        </p:spPr>
+        <p:txBody>
+          <a:bodyPr wrap="square" rtlCol="0">
+            <a:spAutoFit/>
+          </a:bodyPr>
+          <a:lstStyle/>
+          <a:p>
+            <a:r>
+              <a:rPr lang="ko-KR" altLang="en-US" sz="1200" dirty="0">
+                <a:solidFill>
+                  <a:srgbClr val="FF0000"/>
+                </a:solidFill>
+              </a:rPr>
+              <a:t>박스 위치 </a:t>
+            </a:r>
+            <a:r>
+              <a:rPr lang="ko-KR" altLang="en-US" sz="1200" dirty="0" smtClean="0">
+                <a:solidFill>
+                  <a:srgbClr val="FF0000"/>
+                </a:solidFill>
+              </a:rPr>
+              <a:t>다르게 설정</a:t>
+            </a:r>
+            <a:endParaRPr lang="en-US" sz="1200" dirty="0">
+              <a:solidFill>
+                <a:srgbClr val="FF0000"/>
+              </a:solidFill>
+            </a:endParaRPr>
+          </a:p>
+        </p:txBody>
+      </p:sp>
+      <p:sp>
+        <p:nvSpPr>
+          <p:cNvPr id="19" name="직사각형 18"/>
+          <p:cNvSpPr/>
+          <p:nvPr/>
+        </p:nvSpPr>
+        <p:spPr>
+          <a:xfrm>
+            <a:off x="5627368" y="4507568"/>
+            <a:ext cx="2632284" cy="2305355"/>
+          </a:xfrm>
+          <a:prstGeom prst="rect">
+            <a:avLst/>
+          </a:prstGeom>
+          <a:noFill/>
+          <a:ln w="38100">
+            <a:solidFill>
+              <a:srgbClr val="FF0000"/>
+            </a:solidFill>
+          </a:ln>
+        </p:spPr>
+        <p:style>
+          <a:lnRef idx="2">
+            <a:schemeClr val="accent1">
+              <a:shade val="50000"/>
+            </a:schemeClr>
+          </a:lnRef>
+          <a:fillRef idx="1">
+            <a:schemeClr val="accent1"/>
+          </a:fillRef>
+          <a:effectRef idx="0">
+            <a:schemeClr val="accent1"/>
+          </a:effectRef>
+          <a:fontRef idx="minor">
+            <a:schemeClr val="lt1"/>
+          </a:fontRef>
+        </p:style>
+        <p:txBody>
+          <a:bodyPr rtlCol="0" anchor="ctr"/>
+          <a:lstStyle/>
+          <a:p>
+            <a:pPr algn="ctr"/>
+            <a:endParaRPr lang="ko-KR" altLang="en-US"/>
+          </a:p>
+        </p:txBody>
+      </p:sp>
+      <p:cxnSp>
+        <p:nvCxnSpPr>
+          <p:cNvPr id="20" name="꺾인 연결선 19"/>
+          <p:cNvCxnSpPr>
+            <a:stCxn id="13" idx="3"/>
+            <a:endCxn id="19" idx="3"/>
+          </p:cNvCxnSpPr>
+          <p:nvPr/>
+        </p:nvCxnSpPr>
+        <p:spPr>
+          <a:xfrm>
+            <a:off x="6379336" y="3282265"/>
+            <a:ext cx="1880316" cy="2377981"/>
+          </a:xfrm>
+          <a:prstGeom prst="bentConnector3">
+            <a:avLst>
+              <a:gd name="adj1" fmla="val 147111"/>
+            </a:avLst>
+          </a:prstGeom>
+          <a:ln w="19050">
+            <a:solidFill>
+              <a:srgbClr val="FF0000"/>
+            </a:solidFill>
+            <a:tailEnd type="triangle"/>
+          </a:ln>
+        </p:spPr>
+        <p:style>
+          <a:lnRef idx="1">
+            <a:schemeClr val="accent1"/>
+          </a:lnRef>
+          <a:fillRef idx="0">
+            <a:schemeClr val="accent1"/>
+          </a:fillRef>
+          <a:effectRef idx="0">
+            <a:schemeClr val="accent1"/>
+          </a:effectRef>
+          <a:fontRef idx="minor">
+            <a:schemeClr val="tx1"/>
+          </a:fontRef>
+        </p:style>
+      </p:cxnSp>
+      <p:sp>
+        <p:nvSpPr>
+          <p:cNvPr id="25" name="모서리가 둥근 직사각형 24"/>
+          <p:cNvSpPr/>
+          <p:nvPr/>
+        </p:nvSpPr>
+        <p:spPr>
+          <a:xfrm>
+            <a:off x="56769" y="184863"/>
+            <a:ext cx="12078462" cy="498479"/>
+          </a:xfrm>
+          <a:prstGeom prst="roundRect">
+            <a:avLst/>
+          </a:prstGeom>
+          <a:solidFill>
+            <a:schemeClr val="accent1">
+              <a:lumMod val="50000"/>
+            </a:schemeClr>
+          </a:solidFill>
+        </p:spPr>
+        <p:style>
+          <a:lnRef idx="2">
+            <a:schemeClr val="accent1">
+              <a:shade val="50000"/>
+            </a:schemeClr>
+          </a:lnRef>
+          <a:fillRef idx="1">
+            <a:schemeClr val="accent1"/>
+          </a:fillRef>
+          <a:effectRef idx="0">
+            <a:schemeClr val="accent1"/>
+          </a:effectRef>
+          <a:fontRef idx="minor">
+            <a:schemeClr val="lt1"/>
+          </a:fontRef>
+        </p:style>
+        <p:txBody>
+          <a:bodyPr rtlCol="0" anchor="ctr"/>
+          <a:lstStyle/>
+          <a:p>
+            <a:pPr algn="ctr"/>
             <a:r>
               <a:rPr lang="en-US" altLang="ko-KR" sz="3200" dirty="0"/>
               <a:t>legend</a:t>
@@ -9672,7 +9900,7 @@
     </p:spTree>
     <p:extLst>
       <p:ext uri="{BB962C8B-B14F-4D97-AF65-F5344CB8AC3E}">
-        <p14:creationId xmlns:p14="http://schemas.microsoft.com/office/powerpoint/2010/main" val="3965780072"/>
+        <p14:creationId xmlns:p14="http://schemas.microsoft.com/office/powerpoint/2010/main" val="4264507648"/>
       </p:ext>
     </p:extLst>
   </p:cSld>
